--- a/ppt 16-9/1343.在神面前蒙悦.pptx
+++ b/ppt 16-9/1343.在神面前蒙悦.pptx
@@ -129,7 +129,7 @@
           <p:cNvPr id="2" name="标题 1">
             <a:extLst>
               <a:ext uri="{FF2B5EF4-FFF2-40B4-BE49-F238E27FC236}">
-                <a16:creationId xmlns:a16="http://schemas.microsoft.com/office/drawing/2014/main" id="{C2243EF0-5541-3B5A-3109-B28AEEB67D05}"/>
+                <a16:creationId xmlns:a16="http://schemas.microsoft.com/office/drawing/2014/main" id="{40F95339-E5EA-A15B-D044-3D57DFCCDE90}"/>
               </a:ext>
             </a:extLst>
           </p:cNvPr>
@@ -166,7 +166,7 @@
           <p:cNvPr id="3" name="副标题 2">
             <a:extLst>
               <a:ext uri="{FF2B5EF4-FFF2-40B4-BE49-F238E27FC236}">
-                <a16:creationId xmlns:a16="http://schemas.microsoft.com/office/drawing/2014/main" id="{5BDDBE24-DE70-CFAC-8EC0-E5D1AC608F65}"/>
+                <a16:creationId xmlns:a16="http://schemas.microsoft.com/office/drawing/2014/main" id="{F058A61D-25EC-F604-7796-DF033730C02F}"/>
               </a:ext>
             </a:extLst>
           </p:cNvPr>
@@ -236,7 +236,7 @@
           <p:cNvPr id="4" name="日期占位符 3">
             <a:extLst>
               <a:ext uri="{FF2B5EF4-FFF2-40B4-BE49-F238E27FC236}">
-                <a16:creationId xmlns:a16="http://schemas.microsoft.com/office/drawing/2014/main" id="{D0A4D095-7B17-6B28-74B6-D825E75CCAC4}"/>
+                <a16:creationId xmlns:a16="http://schemas.microsoft.com/office/drawing/2014/main" id="{6BFE7C88-B71E-7674-CC24-9478568E03A7}"/>
               </a:ext>
             </a:extLst>
           </p:cNvPr>
@@ -252,7 +252,7 @@
           <a:bodyPr/>
           <a:lstStyle/>
           <a:p>
-            <a:fld id="{555694EC-C5C4-4BCF-AC84-CF872A864C59}" type="datetimeFigureOut">
+            <a:fld id="{D0A5C83D-D805-4759-9D28-5B708261D71C}" type="datetimeFigureOut">
               <a:rPr lang="zh-CN" altLang="en-US" smtClean="0"/>
               <a:t>2024/3/10</a:t>
             </a:fld>
@@ -265,7 +265,7 @@
           <p:cNvPr id="5" name="页脚占位符 4">
             <a:extLst>
               <a:ext uri="{FF2B5EF4-FFF2-40B4-BE49-F238E27FC236}">
-                <a16:creationId xmlns:a16="http://schemas.microsoft.com/office/drawing/2014/main" id="{1684F2C2-9D30-4E1B-8640-DB0C1EF5851E}"/>
+                <a16:creationId xmlns:a16="http://schemas.microsoft.com/office/drawing/2014/main" id="{E5D639E5-0C48-64EC-5B31-9D3350AA2C37}"/>
               </a:ext>
             </a:extLst>
           </p:cNvPr>
@@ -290,7 +290,7 @@
           <p:cNvPr id="6" name="灯片编号占位符 5">
             <a:extLst>
               <a:ext uri="{FF2B5EF4-FFF2-40B4-BE49-F238E27FC236}">
-                <a16:creationId xmlns:a16="http://schemas.microsoft.com/office/drawing/2014/main" id="{BA7E2A0A-E181-58FF-2667-9C237C22AC8C}"/>
+                <a16:creationId xmlns:a16="http://schemas.microsoft.com/office/drawing/2014/main" id="{70CC5D93-AF2E-381F-549A-A0E60EB97CB2}"/>
               </a:ext>
             </a:extLst>
           </p:cNvPr>
@@ -306,7 +306,7 @@
           <a:bodyPr/>
           <a:lstStyle/>
           <a:p>
-            <a:fld id="{3C95A051-1319-4CE5-AA4B-2E2F6D7367D9}" type="slidenum">
+            <a:fld id="{BA6E1810-E737-4A9E-9D7A-22034FD55EFB}" type="slidenum">
               <a:rPr lang="zh-CN" altLang="en-US" smtClean="0"/>
               <a:t>‹#›</a:t>
             </a:fld>
@@ -317,7 +317,7 @@
     </p:spTree>
     <p:extLst>
       <p:ext uri="{BB962C8B-B14F-4D97-AF65-F5344CB8AC3E}">
-        <p14:creationId xmlns:p14="http://schemas.microsoft.com/office/powerpoint/2010/main" val="2171671535"/>
+        <p14:creationId xmlns:p14="http://schemas.microsoft.com/office/powerpoint/2010/main" val="215131282"/>
       </p:ext>
     </p:extLst>
   </p:cSld>
@@ -349,7 +349,7 @@
           <p:cNvPr id="2" name="标题 1">
             <a:extLst>
               <a:ext uri="{FF2B5EF4-FFF2-40B4-BE49-F238E27FC236}">
-                <a16:creationId xmlns:a16="http://schemas.microsoft.com/office/drawing/2014/main" id="{533EB0F0-2AB8-A878-FA13-FC69DC4B2DE3}"/>
+                <a16:creationId xmlns:a16="http://schemas.microsoft.com/office/drawing/2014/main" id="{4789D806-24C9-A908-0DD9-94F06EA102F5}"/>
               </a:ext>
             </a:extLst>
           </p:cNvPr>
@@ -377,7 +377,7 @@
           <p:cNvPr id="3" name="竖排文字占位符 2">
             <a:extLst>
               <a:ext uri="{FF2B5EF4-FFF2-40B4-BE49-F238E27FC236}">
-                <a16:creationId xmlns:a16="http://schemas.microsoft.com/office/drawing/2014/main" id="{8D1F1A81-B10A-2B6D-D177-590C06F1C4CE}"/>
+                <a16:creationId xmlns:a16="http://schemas.microsoft.com/office/drawing/2014/main" id="{C47CBB35-D7F7-55ED-7C38-83B0B6403C55}"/>
               </a:ext>
             </a:extLst>
           </p:cNvPr>
@@ -434,7 +434,7 @@
           <p:cNvPr id="4" name="日期占位符 3">
             <a:extLst>
               <a:ext uri="{FF2B5EF4-FFF2-40B4-BE49-F238E27FC236}">
-                <a16:creationId xmlns:a16="http://schemas.microsoft.com/office/drawing/2014/main" id="{AA19CCC2-6D6C-8E6A-4169-9ED897A4120D}"/>
+                <a16:creationId xmlns:a16="http://schemas.microsoft.com/office/drawing/2014/main" id="{71EE2259-E81C-2FE2-5F51-035233B66940}"/>
               </a:ext>
             </a:extLst>
           </p:cNvPr>
@@ -450,7 +450,7 @@
           <a:bodyPr/>
           <a:lstStyle/>
           <a:p>
-            <a:fld id="{555694EC-C5C4-4BCF-AC84-CF872A864C59}" type="datetimeFigureOut">
+            <a:fld id="{D0A5C83D-D805-4759-9D28-5B708261D71C}" type="datetimeFigureOut">
               <a:rPr lang="zh-CN" altLang="en-US" smtClean="0"/>
               <a:t>2024/3/10</a:t>
             </a:fld>
@@ -463,7 +463,7 @@
           <p:cNvPr id="5" name="页脚占位符 4">
             <a:extLst>
               <a:ext uri="{FF2B5EF4-FFF2-40B4-BE49-F238E27FC236}">
-                <a16:creationId xmlns:a16="http://schemas.microsoft.com/office/drawing/2014/main" id="{59509468-F931-CBDB-85AC-2D452BD56B49}"/>
+                <a16:creationId xmlns:a16="http://schemas.microsoft.com/office/drawing/2014/main" id="{3F0E612E-A45E-3424-1E24-7C5BF00C4B6D}"/>
               </a:ext>
             </a:extLst>
           </p:cNvPr>
@@ -488,7 +488,7 @@
           <p:cNvPr id="6" name="灯片编号占位符 5">
             <a:extLst>
               <a:ext uri="{FF2B5EF4-FFF2-40B4-BE49-F238E27FC236}">
-                <a16:creationId xmlns:a16="http://schemas.microsoft.com/office/drawing/2014/main" id="{5C567445-621C-DF63-EAA3-AA8680064E0B}"/>
+                <a16:creationId xmlns:a16="http://schemas.microsoft.com/office/drawing/2014/main" id="{20094794-E4CC-D6C9-CFFA-EC731B6DC964}"/>
               </a:ext>
             </a:extLst>
           </p:cNvPr>
@@ -504,7 +504,7 @@
           <a:bodyPr/>
           <a:lstStyle/>
           <a:p>
-            <a:fld id="{3C95A051-1319-4CE5-AA4B-2E2F6D7367D9}" type="slidenum">
+            <a:fld id="{BA6E1810-E737-4A9E-9D7A-22034FD55EFB}" type="slidenum">
               <a:rPr lang="zh-CN" altLang="en-US" smtClean="0"/>
               <a:t>‹#›</a:t>
             </a:fld>
@@ -515,7 +515,7 @@
     </p:spTree>
     <p:extLst>
       <p:ext uri="{BB962C8B-B14F-4D97-AF65-F5344CB8AC3E}">
-        <p14:creationId xmlns:p14="http://schemas.microsoft.com/office/powerpoint/2010/main" val="2863164025"/>
+        <p14:creationId xmlns:p14="http://schemas.microsoft.com/office/powerpoint/2010/main" val="1882167571"/>
       </p:ext>
     </p:extLst>
   </p:cSld>
@@ -547,7 +547,7 @@
           <p:cNvPr id="2" name="竖排标题 1">
             <a:extLst>
               <a:ext uri="{FF2B5EF4-FFF2-40B4-BE49-F238E27FC236}">
-                <a16:creationId xmlns:a16="http://schemas.microsoft.com/office/drawing/2014/main" id="{608F3051-4B96-4378-B427-CD0285EC1E55}"/>
+                <a16:creationId xmlns:a16="http://schemas.microsoft.com/office/drawing/2014/main" id="{4605057E-54F5-7FAF-E627-8BED40F2A8A6}"/>
               </a:ext>
             </a:extLst>
           </p:cNvPr>
@@ -580,7 +580,7 @@
           <p:cNvPr id="3" name="竖排文字占位符 2">
             <a:extLst>
               <a:ext uri="{FF2B5EF4-FFF2-40B4-BE49-F238E27FC236}">
-                <a16:creationId xmlns:a16="http://schemas.microsoft.com/office/drawing/2014/main" id="{C5C91645-444D-F37F-E0FB-C73C26628F83}"/>
+                <a16:creationId xmlns:a16="http://schemas.microsoft.com/office/drawing/2014/main" id="{75B875ED-0B8E-F7F0-4855-CE99BFC621B9}"/>
               </a:ext>
             </a:extLst>
           </p:cNvPr>
@@ -642,7 +642,7 @@
           <p:cNvPr id="4" name="日期占位符 3">
             <a:extLst>
               <a:ext uri="{FF2B5EF4-FFF2-40B4-BE49-F238E27FC236}">
-                <a16:creationId xmlns:a16="http://schemas.microsoft.com/office/drawing/2014/main" id="{38FC6514-8F95-F6E7-6890-74FC9A50C280}"/>
+                <a16:creationId xmlns:a16="http://schemas.microsoft.com/office/drawing/2014/main" id="{62161F1D-9C59-9E66-6007-0B55375C8F83}"/>
               </a:ext>
             </a:extLst>
           </p:cNvPr>
@@ -658,7 +658,7 @@
           <a:bodyPr/>
           <a:lstStyle/>
           <a:p>
-            <a:fld id="{555694EC-C5C4-4BCF-AC84-CF872A864C59}" type="datetimeFigureOut">
+            <a:fld id="{D0A5C83D-D805-4759-9D28-5B708261D71C}" type="datetimeFigureOut">
               <a:rPr lang="zh-CN" altLang="en-US" smtClean="0"/>
               <a:t>2024/3/10</a:t>
             </a:fld>
@@ -671,7 +671,7 @@
           <p:cNvPr id="5" name="页脚占位符 4">
             <a:extLst>
               <a:ext uri="{FF2B5EF4-FFF2-40B4-BE49-F238E27FC236}">
-                <a16:creationId xmlns:a16="http://schemas.microsoft.com/office/drawing/2014/main" id="{3F2144D0-25E9-7D9F-68C3-60B9B074FF15}"/>
+                <a16:creationId xmlns:a16="http://schemas.microsoft.com/office/drawing/2014/main" id="{7E4E8A44-B20E-7EB2-3188-B4447B03C31B}"/>
               </a:ext>
             </a:extLst>
           </p:cNvPr>
@@ -696,7 +696,7 @@
           <p:cNvPr id="6" name="灯片编号占位符 5">
             <a:extLst>
               <a:ext uri="{FF2B5EF4-FFF2-40B4-BE49-F238E27FC236}">
-                <a16:creationId xmlns:a16="http://schemas.microsoft.com/office/drawing/2014/main" id="{E2DE983D-F436-3A41-B365-A8AB0A86DC39}"/>
+                <a16:creationId xmlns:a16="http://schemas.microsoft.com/office/drawing/2014/main" id="{9FAC2281-61BB-5931-A5E2-8AE32588AEC0}"/>
               </a:ext>
             </a:extLst>
           </p:cNvPr>
@@ -712,7 +712,7 @@
           <a:bodyPr/>
           <a:lstStyle/>
           <a:p>
-            <a:fld id="{3C95A051-1319-4CE5-AA4B-2E2F6D7367D9}" type="slidenum">
+            <a:fld id="{BA6E1810-E737-4A9E-9D7A-22034FD55EFB}" type="slidenum">
               <a:rPr lang="zh-CN" altLang="en-US" smtClean="0"/>
               <a:t>‹#›</a:t>
             </a:fld>
@@ -723,7 +723,7 @@
     </p:spTree>
     <p:extLst>
       <p:ext uri="{BB962C8B-B14F-4D97-AF65-F5344CB8AC3E}">
-        <p14:creationId xmlns:p14="http://schemas.microsoft.com/office/powerpoint/2010/main" val="2759315369"/>
+        <p14:creationId xmlns:p14="http://schemas.microsoft.com/office/powerpoint/2010/main" val="686972325"/>
       </p:ext>
     </p:extLst>
   </p:cSld>
@@ -755,7 +755,7 @@
           <p:cNvPr id="2" name="标题 1">
             <a:extLst>
               <a:ext uri="{FF2B5EF4-FFF2-40B4-BE49-F238E27FC236}">
-                <a16:creationId xmlns:a16="http://schemas.microsoft.com/office/drawing/2014/main" id="{BC1C01EE-5E73-3378-9848-41C50BA6CFF9}"/>
+                <a16:creationId xmlns:a16="http://schemas.microsoft.com/office/drawing/2014/main" id="{DF10F4A3-766E-43CE-A358-22481F0BE4D7}"/>
               </a:ext>
             </a:extLst>
           </p:cNvPr>
@@ -783,7 +783,7 @@
           <p:cNvPr id="3" name="内容占位符 2">
             <a:extLst>
               <a:ext uri="{FF2B5EF4-FFF2-40B4-BE49-F238E27FC236}">
-                <a16:creationId xmlns:a16="http://schemas.microsoft.com/office/drawing/2014/main" id="{55D78A75-2E1C-1623-E5D6-55B622B236EC}"/>
+                <a16:creationId xmlns:a16="http://schemas.microsoft.com/office/drawing/2014/main" id="{7B00174E-FC3E-AADF-DFFF-87D595051929}"/>
               </a:ext>
             </a:extLst>
           </p:cNvPr>
@@ -840,7 +840,7 @@
           <p:cNvPr id="4" name="日期占位符 3">
             <a:extLst>
               <a:ext uri="{FF2B5EF4-FFF2-40B4-BE49-F238E27FC236}">
-                <a16:creationId xmlns:a16="http://schemas.microsoft.com/office/drawing/2014/main" id="{94DA8CBC-7790-E61C-7A96-96935C81D0F6}"/>
+                <a16:creationId xmlns:a16="http://schemas.microsoft.com/office/drawing/2014/main" id="{95F8C42F-4D20-3AFA-1155-BA0C7DF863C1}"/>
               </a:ext>
             </a:extLst>
           </p:cNvPr>
@@ -856,7 +856,7 @@
           <a:bodyPr/>
           <a:lstStyle/>
           <a:p>
-            <a:fld id="{555694EC-C5C4-4BCF-AC84-CF872A864C59}" type="datetimeFigureOut">
+            <a:fld id="{D0A5C83D-D805-4759-9D28-5B708261D71C}" type="datetimeFigureOut">
               <a:rPr lang="zh-CN" altLang="en-US" smtClean="0"/>
               <a:t>2024/3/10</a:t>
             </a:fld>
@@ -869,7 +869,7 @@
           <p:cNvPr id="5" name="页脚占位符 4">
             <a:extLst>
               <a:ext uri="{FF2B5EF4-FFF2-40B4-BE49-F238E27FC236}">
-                <a16:creationId xmlns:a16="http://schemas.microsoft.com/office/drawing/2014/main" id="{30624F6C-02F4-592E-800F-247E201697A8}"/>
+                <a16:creationId xmlns:a16="http://schemas.microsoft.com/office/drawing/2014/main" id="{D783FC2F-CABC-254F-A795-BAEE43C76CB8}"/>
               </a:ext>
             </a:extLst>
           </p:cNvPr>
@@ -894,7 +894,7 @@
           <p:cNvPr id="6" name="灯片编号占位符 5">
             <a:extLst>
               <a:ext uri="{FF2B5EF4-FFF2-40B4-BE49-F238E27FC236}">
-                <a16:creationId xmlns:a16="http://schemas.microsoft.com/office/drawing/2014/main" id="{2648BA64-7D42-17CA-BC6A-E49D56B8F3A0}"/>
+                <a16:creationId xmlns:a16="http://schemas.microsoft.com/office/drawing/2014/main" id="{A9914B2C-FFE0-1330-017A-3680CB80F2AF}"/>
               </a:ext>
             </a:extLst>
           </p:cNvPr>
@@ -910,7 +910,7 @@
           <a:bodyPr/>
           <a:lstStyle/>
           <a:p>
-            <a:fld id="{3C95A051-1319-4CE5-AA4B-2E2F6D7367D9}" type="slidenum">
+            <a:fld id="{BA6E1810-E737-4A9E-9D7A-22034FD55EFB}" type="slidenum">
               <a:rPr lang="zh-CN" altLang="en-US" smtClean="0"/>
               <a:t>‹#›</a:t>
             </a:fld>
@@ -921,7 +921,7 @@
     </p:spTree>
     <p:extLst>
       <p:ext uri="{BB962C8B-B14F-4D97-AF65-F5344CB8AC3E}">
-        <p14:creationId xmlns:p14="http://schemas.microsoft.com/office/powerpoint/2010/main" val="2288839035"/>
+        <p14:creationId xmlns:p14="http://schemas.microsoft.com/office/powerpoint/2010/main" val="897733856"/>
       </p:ext>
     </p:extLst>
   </p:cSld>
@@ -953,7 +953,7 @@
           <p:cNvPr id="2" name="标题 1">
             <a:extLst>
               <a:ext uri="{FF2B5EF4-FFF2-40B4-BE49-F238E27FC236}">
-                <a16:creationId xmlns:a16="http://schemas.microsoft.com/office/drawing/2014/main" id="{71D94F99-2DE8-532C-23DE-F1DE25201709}"/>
+                <a16:creationId xmlns:a16="http://schemas.microsoft.com/office/drawing/2014/main" id="{2F7BC58C-75ED-13A8-DF28-06AB0B98D7A5}"/>
               </a:ext>
             </a:extLst>
           </p:cNvPr>
@@ -990,7 +990,7 @@
           <p:cNvPr id="3" name="文本占位符 2">
             <a:extLst>
               <a:ext uri="{FF2B5EF4-FFF2-40B4-BE49-F238E27FC236}">
-                <a16:creationId xmlns:a16="http://schemas.microsoft.com/office/drawing/2014/main" id="{FA760813-FE6B-FF5B-9572-CA655117B226}"/>
+                <a16:creationId xmlns:a16="http://schemas.microsoft.com/office/drawing/2014/main" id="{8C51545F-7747-4185-AF01-46FD87655C95}"/>
               </a:ext>
             </a:extLst>
           </p:cNvPr>
@@ -1115,7 +1115,7 @@
           <p:cNvPr id="4" name="日期占位符 3">
             <a:extLst>
               <a:ext uri="{FF2B5EF4-FFF2-40B4-BE49-F238E27FC236}">
-                <a16:creationId xmlns:a16="http://schemas.microsoft.com/office/drawing/2014/main" id="{CA36B08E-8310-09EB-A39C-BC3F219B5D79}"/>
+                <a16:creationId xmlns:a16="http://schemas.microsoft.com/office/drawing/2014/main" id="{0EB04078-365A-467D-39D9-86B3A639FB3F}"/>
               </a:ext>
             </a:extLst>
           </p:cNvPr>
@@ -1131,7 +1131,7 @@
           <a:bodyPr/>
           <a:lstStyle/>
           <a:p>
-            <a:fld id="{555694EC-C5C4-4BCF-AC84-CF872A864C59}" type="datetimeFigureOut">
+            <a:fld id="{D0A5C83D-D805-4759-9D28-5B708261D71C}" type="datetimeFigureOut">
               <a:rPr lang="zh-CN" altLang="en-US" smtClean="0"/>
               <a:t>2024/3/10</a:t>
             </a:fld>
@@ -1144,7 +1144,7 @@
           <p:cNvPr id="5" name="页脚占位符 4">
             <a:extLst>
               <a:ext uri="{FF2B5EF4-FFF2-40B4-BE49-F238E27FC236}">
-                <a16:creationId xmlns:a16="http://schemas.microsoft.com/office/drawing/2014/main" id="{70897089-0EF0-D647-5DC5-D5D2187C482F}"/>
+                <a16:creationId xmlns:a16="http://schemas.microsoft.com/office/drawing/2014/main" id="{74A5BF86-7510-2246-01FF-5F410B834C4A}"/>
               </a:ext>
             </a:extLst>
           </p:cNvPr>
@@ -1169,7 +1169,7 @@
           <p:cNvPr id="6" name="灯片编号占位符 5">
             <a:extLst>
               <a:ext uri="{FF2B5EF4-FFF2-40B4-BE49-F238E27FC236}">
-                <a16:creationId xmlns:a16="http://schemas.microsoft.com/office/drawing/2014/main" id="{496C0D8C-7637-222F-ACBC-696F8E172EFD}"/>
+                <a16:creationId xmlns:a16="http://schemas.microsoft.com/office/drawing/2014/main" id="{920E1301-63BB-C8ED-7098-0A793F1DEF04}"/>
               </a:ext>
             </a:extLst>
           </p:cNvPr>
@@ -1185,7 +1185,7 @@
           <a:bodyPr/>
           <a:lstStyle/>
           <a:p>
-            <a:fld id="{3C95A051-1319-4CE5-AA4B-2E2F6D7367D9}" type="slidenum">
+            <a:fld id="{BA6E1810-E737-4A9E-9D7A-22034FD55EFB}" type="slidenum">
               <a:rPr lang="zh-CN" altLang="en-US" smtClean="0"/>
               <a:t>‹#›</a:t>
             </a:fld>
@@ -1196,7 +1196,7 @@
     </p:spTree>
     <p:extLst>
       <p:ext uri="{BB962C8B-B14F-4D97-AF65-F5344CB8AC3E}">
-        <p14:creationId xmlns:p14="http://schemas.microsoft.com/office/powerpoint/2010/main" val="1713023181"/>
+        <p14:creationId xmlns:p14="http://schemas.microsoft.com/office/powerpoint/2010/main" val="1505476382"/>
       </p:ext>
     </p:extLst>
   </p:cSld>
@@ -1228,7 +1228,7 @@
           <p:cNvPr id="2" name="标题 1">
             <a:extLst>
               <a:ext uri="{FF2B5EF4-FFF2-40B4-BE49-F238E27FC236}">
-                <a16:creationId xmlns:a16="http://schemas.microsoft.com/office/drawing/2014/main" id="{C4D2711A-E8E0-C6CA-B720-A9F6AC1A88BF}"/>
+                <a16:creationId xmlns:a16="http://schemas.microsoft.com/office/drawing/2014/main" id="{E265F3B3-F75A-9658-EEA2-BBD2A0F0A7F3}"/>
               </a:ext>
             </a:extLst>
           </p:cNvPr>
@@ -1256,7 +1256,7 @@
           <p:cNvPr id="3" name="内容占位符 2">
             <a:extLst>
               <a:ext uri="{FF2B5EF4-FFF2-40B4-BE49-F238E27FC236}">
-                <a16:creationId xmlns:a16="http://schemas.microsoft.com/office/drawing/2014/main" id="{7A1498E6-BAE9-7EAD-EAE1-406738004CAA}"/>
+                <a16:creationId xmlns:a16="http://schemas.microsoft.com/office/drawing/2014/main" id="{6E414985-07F8-6658-1ED6-DC0EB8DC6C71}"/>
               </a:ext>
             </a:extLst>
           </p:cNvPr>
@@ -1318,7 +1318,7 @@
           <p:cNvPr id="4" name="内容占位符 3">
             <a:extLst>
               <a:ext uri="{FF2B5EF4-FFF2-40B4-BE49-F238E27FC236}">
-                <a16:creationId xmlns:a16="http://schemas.microsoft.com/office/drawing/2014/main" id="{BA78B832-2318-CD96-D5CD-D2E54C643130}"/>
+                <a16:creationId xmlns:a16="http://schemas.microsoft.com/office/drawing/2014/main" id="{D0A7DC48-8341-943E-0F00-7C0E254A3B5E}"/>
               </a:ext>
             </a:extLst>
           </p:cNvPr>
@@ -1380,7 +1380,7 @@
           <p:cNvPr id="5" name="日期占位符 4">
             <a:extLst>
               <a:ext uri="{FF2B5EF4-FFF2-40B4-BE49-F238E27FC236}">
-                <a16:creationId xmlns:a16="http://schemas.microsoft.com/office/drawing/2014/main" id="{8746D208-5C95-1BB0-9C50-ED4F15403EBE}"/>
+                <a16:creationId xmlns:a16="http://schemas.microsoft.com/office/drawing/2014/main" id="{5FD98FAA-A7E4-347E-9FE4-971C4DE38AF7}"/>
               </a:ext>
             </a:extLst>
           </p:cNvPr>
@@ -1396,7 +1396,7 @@
           <a:bodyPr/>
           <a:lstStyle/>
           <a:p>
-            <a:fld id="{555694EC-C5C4-4BCF-AC84-CF872A864C59}" type="datetimeFigureOut">
+            <a:fld id="{D0A5C83D-D805-4759-9D28-5B708261D71C}" type="datetimeFigureOut">
               <a:rPr lang="zh-CN" altLang="en-US" smtClean="0"/>
               <a:t>2024/3/10</a:t>
             </a:fld>
@@ -1409,7 +1409,7 @@
           <p:cNvPr id="6" name="页脚占位符 5">
             <a:extLst>
               <a:ext uri="{FF2B5EF4-FFF2-40B4-BE49-F238E27FC236}">
-                <a16:creationId xmlns:a16="http://schemas.microsoft.com/office/drawing/2014/main" id="{BE03AFEE-4D0A-D9CF-7894-580583CD2A0C}"/>
+                <a16:creationId xmlns:a16="http://schemas.microsoft.com/office/drawing/2014/main" id="{8186CAF2-2B15-1E78-4EF2-68C575FF2D90}"/>
               </a:ext>
             </a:extLst>
           </p:cNvPr>
@@ -1434,7 +1434,7 @@
           <p:cNvPr id="7" name="灯片编号占位符 6">
             <a:extLst>
               <a:ext uri="{FF2B5EF4-FFF2-40B4-BE49-F238E27FC236}">
-                <a16:creationId xmlns:a16="http://schemas.microsoft.com/office/drawing/2014/main" id="{8F3E9E94-C96F-07C7-40CB-E5192C4F4A02}"/>
+                <a16:creationId xmlns:a16="http://schemas.microsoft.com/office/drawing/2014/main" id="{EDF6CF5A-6B10-C884-38C5-DD506C6A83A2}"/>
               </a:ext>
             </a:extLst>
           </p:cNvPr>
@@ -1450,7 +1450,7 @@
           <a:bodyPr/>
           <a:lstStyle/>
           <a:p>
-            <a:fld id="{3C95A051-1319-4CE5-AA4B-2E2F6D7367D9}" type="slidenum">
+            <a:fld id="{BA6E1810-E737-4A9E-9D7A-22034FD55EFB}" type="slidenum">
               <a:rPr lang="zh-CN" altLang="en-US" smtClean="0"/>
               <a:t>‹#›</a:t>
             </a:fld>
@@ -1461,7 +1461,7 @@
     </p:spTree>
     <p:extLst>
       <p:ext uri="{BB962C8B-B14F-4D97-AF65-F5344CB8AC3E}">
-        <p14:creationId xmlns:p14="http://schemas.microsoft.com/office/powerpoint/2010/main" val="1643070051"/>
+        <p14:creationId xmlns:p14="http://schemas.microsoft.com/office/powerpoint/2010/main" val="2988217436"/>
       </p:ext>
     </p:extLst>
   </p:cSld>
@@ -1493,7 +1493,7 @@
           <p:cNvPr id="2" name="标题 1">
             <a:extLst>
               <a:ext uri="{FF2B5EF4-FFF2-40B4-BE49-F238E27FC236}">
-                <a16:creationId xmlns:a16="http://schemas.microsoft.com/office/drawing/2014/main" id="{FA78373C-53AF-0501-F516-99D8FC650678}"/>
+                <a16:creationId xmlns:a16="http://schemas.microsoft.com/office/drawing/2014/main" id="{3EE435B3-6302-A789-9AFA-D77A2153A337}"/>
               </a:ext>
             </a:extLst>
           </p:cNvPr>
@@ -1526,7 +1526,7 @@
           <p:cNvPr id="3" name="文本占位符 2">
             <a:extLst>
               <a:ext uri="{FF2B5EF4-FFF2-40B4-BE49-F238E27FC236}">
-                <a16:creationId xmlns:a16="http://schemas.microsoft.com/office/drawing/2014/main" id="{DBF8FA4D-DBD2-9F19-5209-1AF315D2CE6E}"/>
+                <a16:creationId xmlns:a16="http://schemas.microsoft.com/office/drawing/2014/main" id="{D327D304-F015-E08D-6207-D8DE1D83CBF7}"/>
               </a:ext>
             </a:extLst>
           </p:cNvPr>
@@ -1597,7 +1597,7 @@
           <p:cNvPr id="4" name="内容占位符 3">
             <a:extLst>
               <a:ext uri="{FF2B5EF4-FFF2-40B4-BE49-F238E27FC236}">
-                <a16:creationId xmlns:a16="http://schemas.microsoft.com/office/drawing/2014/main" id="{5AEDE773-64B6-11A2-4916-B1556B79722A}"/>
+                <a16:creationId xmlns:a16="http://schemas.microsoft.com/office/drawing/2014/main" id="{76E37FA8-50C4-DC90-C272-F0694BF620B4}"/>
               </a:ext>
             </a:extLst>
           </p:cNvPr>
@@ -1659,7 +1659,7 @@
           <p:cNvPr id="5" name="文本占位符 4">
             <a:extLst>
               <a:ext uri="{FF2B5EF4-FFF2-40B4-BE49-F238E27FC236}">
-                <a16:creationId xmlns:a16="http://schemas.microsoft.com/office/drawing/2014/main" id="{C6459ED9-1F9E-9A25-1A04-96DD88BC0A2C}"/>
+                <a16:creationId xmlns:a16="http://schemas.microsoft.com/office/drawing/2014/main" id="{A7E18FA8-4F30-042C-4523-B0CD8B3791C2}"/>
               </a:ext>
             </a:extLst>
           </p:cNvPr>
@@ -1730,7 +1730,7 @@
           <p:cNvPr id="6" name="内容占位符 5">
             <a:extLst>
               <a:ext uri="{FF2B5EF4-FFF2-40B4-BE49-F238E27FC236}">
-                <a16:creationId xmlns:a16="http://schemas.microsoft.com/office/drawing/2014/main" id="{AA9F0203-BF67-726E-7767-173960797F5F}"/>
+                <a16:creationId xmlns:a16="http://schemas.microsoft.com/office/drawing/2014/main" id="{2224A777-79EC-8B63-A9BF-386ABA137BA4}"/>
               </a:ext>
             </a:extLst>
           </p:cNvPr>
@@ -1792,7 +1792,7 @@
           <p:cNvPr id="7" name="日期占位符 6">
             <a:extLst>
               <a:ext uri="{FF2B5EF4-FFF2-40B4-BE49-F238E27FC236}">
-                <a16:creationId xmlns:a16="http://schemas.microsoft.com/office/drawing/2014/main" id="{12F81F49-E56E-E577-D544-F4189DA25BB7}"/>
+                <a16:creationId xmlns:a16="http://schemas.microsoft.com/office/drawing/2014/main" id="{64263236-F0A9-11BC-63AE-348F0ED9E29A}"/>
               </a:ext>
             </a:extLst>
           </p:cNvPr>
@@ -1808,7 +1808,7 @@
           <a:bodyPr/>
           <a:lstStyle/>
           <a:p>
-            <a:fld id="{555694EC-C5C4-4BCF-AC84-CF872A864C59}" type="datetimeFigureOut">
+            <a:fld id="{D0A5C83D-D805-4759-9D28-5B708261D71C}" type="datetimeFigureOut">
               <a:rPr lang="zh-CN" altLang="en-US" smtClean="0"/>
               <a:t>2024/3/10</a:t>
             </a:fld>
@@ -1821,7 +1821,7 @@
           <p:cNvPr id="8" name="页脚占位符 7">
             <a:extLst>
               <a:ext uri="{FF2B5EF4-FFF2-40B4-BE49-F238E27FC236}">
-                <a16:creationId xmlns:a16="http://schemas.microsoft.com/office/drawing/2014/main" id="{A6B65E69-40AA-0C7F-95B7-4DD2DAAB1FED}"/>
+                <a16:creationId xmlns:a16="http://schemas.microsoft.com/office/drawing/2014/main" id="{F1D5F0F0-9A95-1513-9ED6-0E284EEFFE1C}"/>
               </a:ext>
             </a:extLst>
           </p:cNvPr>
@@ -1846,7 +1846,7 @@
           <p:cNvPr id="9" name="灯片编号占位符 8">
             <a:extLst>
               <a:ext uri="{FF2B5EF4-FFF2-40B4-BE49-F238E27FC236}">
-                <a16:creationId xmlns:a16="http://schemas.microsoft.com/office/drawing/2014/main" id="{F41B0E18-AE5C-645A-69EC-D1AA2B6BAE39}"/>
+                <a16:creationId xmlns:a16="http://schemas.microsoft.com/office/drawing/2014/main" id="{01A0876A-B7A6-65D8-3801-03D0285B2E91}"/>
               </a:ext>
             </a:extLst>
           </p:cNvPr>
@@ -1862,7 +1862,7 @@
           <a:bodyPr/>
           <a:lstStyle/>
           <a:p>
-            <a:fld id="{3C95A051-1319-4CE5-AA4B-2E2F6D7367D9}" type="slidenum">
+            <a:fld id="{BA6E1810-E737-4A9E-9D7A-22034FD55EFB}" type="slidenum">
               <a:rPr lang="zh-CN" altLang="en-US" smtClean="0"/>
               <a:t>‹#›</a:t>
             </a:fld>
@@ -1873,7 +1873,7 @@
     </p:spTree>
     <p:extLst>
       <p:ext uri="{BB962C8B-B14F-4D97-AF65-F5344CB8AC3E}">
-        <p14:creationId xmlns:p14="http://schemas.microsoft.com/office/powerpoint/2010/main" val="281698759"/>
+        <p14:creationId xmlns:p14="http://schemas.microsoft.com/office/powerpoint/2010/main" val="4059286000"/>
       </p:ext>
     </p:extLst>
   </p:cSld>
@@ -1905,7 +1905,7 @@
           <p:cNvPr id="2" name="标题 1">
             <a:extLst>
               <a:ext uri="{FF2B5EF4-FFF2-40B4-BE49-F238E27FC236}">
-                <a16:creationId xmlns:a16="http://schemas.microsoft.com/office/drawing/2014/main" id="{CDF677E6-6D54-4247-93AA-55F5357EE174}"/>
+                <a16:creationId xmlns:a16="http://schemas.microsoft.com/office/drawing/2014/main" id="{E2AEF27D-4713-3924-D31B-D5AF151EEAD0}"/>
               </a:ext>
             </a:extLst>
           </p:cNvPr>
@@ -1933,7 +1933,7 @@
           <p:cNvPr id="3" name="日期占位符 2">
             <a:extLst>
               <a:ext uri="{FF2B5EF4-FFF2-40B4-BE49-F238E27FC236}">
-                <a16:creationId xmlns:a16="http://schemas.microsoft.com/office/drawing/2014/main" id="{03A8EDD3-F0B4-5F86-ADB7-C18F8DDA53C9}"/>
+                <a16:creationId xmlns:a16="http://schemas.microsoft.com/office/drawing/2014/main" id="{1E5981B1-3609-8EAD-AFA5-D010C6BCC9B1}"/>
               </a:ext>
             </a:extLst>
           </p:cNvPr>
@@ -1949,7 +1949,7 @@
           <a:bodyPr/>
           <a:lstStyle/>
           <a:p>
-            <a:fld id="{555694EC-C5C4-4BCF-AC84-CF872A864C59}" type="datetimeFigureOut">
+            <a:fld id="{D0A5C83D-D805-4759-9D28-5B708261D71C}" type="datetimeFigureOut">
               <a:rPr lang="zh-CN" altLang="en-US" smtClean="0"/>
               <a:t>2024/3/10</a:t>
             </a:fld>
@@ -1962,7 +1962,7 @@
           <p:cNvPr id="4" name="页脚占位符 3">
             <a:extLst>
               <a:ext uri="{FF2B5EF4-FFF2-40B4-BE49-F238E27FC236}">
-                <a16:creationId xmlns:a16="http://schemas.microsoft.com/office/drawing/2014/main" id="{3EA65283-C477-8D2F-7EE5-28E4994E2AAD}"/>
+                <a16:creationId xmlns:a16="http://schemas.microsoft.com/office/drawing/2014/main" id="{1074BADD-1C02-D219-2EDC-6B037B522CAA}"/>
               </a:ext>
             </a:extLst>
           </p:cNvPr>
@@ -1987,7 +1987,7 @@
           <p:cNvPr id="5" name="灯片编号占位符 4">
             <a:extLst>
               <a:ext uri="{FF2B5EF4-FFF2-40B4-BE49-F238E27FC236}">
-                <a16:creationId xmlns:a16="http://schemas.microsoft.com/office/drawing/2014/main" id="{8A4B133B-6D92-30C6-4068-665C79EB72F4}"/>
+                <a16:creationId xmlns:a16="http://schemas.microsoft.com/office/drawing/2014/main" id="{CB48D1C4-000D-BA35-C31E-2CC6CFE816E9}"/>
               </a:ext>
             </a:extLst>
           </p:cNvPr>
@@ -2003,7 +2003,7 @@
           <a:bodyPr/>
           <a:lstStyle/>
           <a:p>
-            <a:fld id="{3C95A051-1319-4CE5-AA4B-2E2F6D7367D9}" type="slidenum">
+            <a:fld id="{BA6E1810-E737-4A9E-9D7A-22034FD55EFB}" type="slidenum">
               <a:rPr lang="zh-CN" altLang="en-US" smtClean="0"/>
               <a:t>‹#›</a:t>
             </a:fld>
@@ -2014,7 +2014,7 @@
     </p:spTree>
     <p:extLst>
       <p:ext uri="{BB962C8B-B14F-4D97-AF65-F5344CB8AC3E}">
-        <p14:creationId xmlns:p14="http://schemas.microsoft.com/office/powerpoint/2010/main" val="730569038"/>
+        <p14:creationId xmlns:p14="http://schemas.microsoft.com/office/powerpoint/2010/main" val="777372961"/>
       </p:ext>
     </p:extLst>
   </p:cSld>
@@ -2046,7 +2046,7 @@
           <p:cNvPr id="2" name="日期占位符 1">
             <a:extLst>
               <a:ext uri="{FF2B5EF4-FFF2-40B4-BE49-F238E27FC236}">
-                <a16:creationId xmlns:a16="http://schemas.microsoft.com/office/drawing/2014/main" id="{67495FFF-C8DD-E617-15D8-52D11308D4C6}"/>
+                <a16:creationId xmlns:a16="http://schemas.microsoft.com/office/drawing/2014/main" id="{1C05DDE2-28AF-0539-9834-0121F38C7A0E}"/>
               </a:ext>
             </a:extLst>
           </p:cNvPr>
@@ -2062,7 +2062,7 @@
           <a:bodyPr/>
           <a:lstStyle/>
           <a:p>
-            <a:fld id="{555694EC-C5C4-4BCF-AC84-CF872A864C59}" type="datetimeFigureOut">
+            <a:fld id="{D0A5C83D-D805-4759-9D28-5B708261D71C}" type="datetimeFigureOut">
               <a:rPr lang="zh-CN" altLang="en-US" smtClean="0"/>
               <a:t>2024/3/10</a:t>
             </a:fld>
@@ -2075,7 +2075,7 @@
           <p:cNvPr id="3" name="页脚占位符 2">
             <a:extLst>
               <a:ext uri="{FF2B5EF4-FFF2-40B4-BE49-F238E27FC236}">
-                <a16:creationId xmlns:a16="http://schemas.microsoft.com/office/drawing/2014/main" id="{AD3B3102-0117-668C-4540-E0A40FF611A8}"/>
+                <a16:creationId xmlns:a16="http://schemas.microsoft.com/office/drawing/2014/main" id="{58B5C7AC-A215-1DC4-422C-CA181D25B6E8}"/>
               </a:ext>
             </a:extLst>
           </p:cNvPr>
@@ -2100,7 +2100,7 @@
           <p:cNvPr id="4" name="灯片编号占位符 3">
             <a:extLst>
               <a:ext uri="{FF2B5EF4-FFF2-40B4-BE49-F238E27FC236}">
-                <a16:creationId xmlns:a16="http://schemas.microsoft.com/office/drawing/2014/main" id="{C58AABDD-8B31-1B87-0894-B927E7ECC405}"/>
+                <a16:creationId xmlns:a16="http://schemas.microsoft.com/office/drawing/2014/main" id="{4D0A06E8-EB38-D2CD-0952-6C9F5D67846F}"/>
               </a:ext>
             </a:extLst>
           </p:cNvPr>
@@ -2116,7 +2116,7 @@
           <a:bodyPr/>
           <a:lstStyle/>
           <a:p>
-            <a:fld id="{3C95A051-1319-4CE5-AA4B-2E2F6D7367D9}" type="slidenum">
+            <a:fld id="{BA6E1810-E737-4A9E-9D7A-22034FD55EFB}" type="slidenum">
               <a:rPr lang="zh-CN" altLang="en-US" smtClean="0"/>
               <a:t>‹#›</a:t>
             </a:fld>
@@ -2127,7 +2127,7 @@
     </p:spTree>
     <p:extLst>
       <p:ext uri="{BB962C8B-B14F-4D97-AF65-F5344CB8AC3E}">
-        <p14:creationId xmlns:p14="http://schemas.microsoft.com/office/powerpoint/2010/main" val="4192454291"/>
+        <p14:creationId xmlns:p14="http://schemas.microsoft.com/office/powerpoint/2010/main" val="1542793744"/>
       </p:ext>
     </p:extLst>
   </p:cSld>
@@ -2159,7 +2159,7 @@
           <p:cNvPr id="2" name="标题 1">
             <a:extLst>
               <a:ext uri="{FF2B5EF4-FFF2-40B4-BE49-F238E27FC236}">
-                <a16:creationId xmlns:a16="http://schemas.microsoft.com/office/drawing/2014/main" id="{D2906FC3-4D02-9106-0B46-8BD352DB098E}"/>
+                <a16:creationId xmlns:a16="http://schemas.microsoft.com/office/drawing/2014/main" id="{752B6CDE-2CA4-4BAE-0A89-60831E4417CC}"/>
               </a:ext>
             </a:extLst>
           </p:cNvPr>
@@ -2196,7 +2196,7 @@
           <p:cNvPr id="3" name="内容占位符 2">
             <a:extLst>
               <a:ext uri="{FF2B5EF4-FFF2-40B4-BE49-F238E27FC236}">
-                <a16:creationId xmlns:a16="http://schemas.microsoft.com/office/drawing/2014/main" id="{360C9877-4113-466A-F36C-6E393D933209}"/>
+                <a16:creationId xmlns:a16="http://schemas.microsoft.com/office/drawing/2014/main" id="{14E561CD-D6D5-940C-58E2-0041EBADE2D7}"/>
               </a:ext>
             </a:extLst>
           </p:cNvPr>
@@ -2286,7 +2286,7 @@
           <p:cNvPr id="4" name="文本占位符 3">
             <a:extLst>
               <a:ext uri="{FF2B5EF4-FFF2-40B4-BE49-F238E27FC236}">
-                <a16:creationId xmlns:a16="http://schemas.microsoft.com/office/drawing/2014/main" id="{D0ED70E7-7EF9-F42E-1651-CC8FFF009BF7}"/>
+                <a16:creationId xmlns:a16="http://schemas.microsoft.com/office/drawing/2014/main" id="{427CCD31-3EA2-788F-DD7C-EBDB35C749A9}"/>
               </a:ext>
             </a:extLst>
           </p:cNvPr>
@@ -2357,7 +2357,7 @@
           <p:cNvPr id="5" name="日期占位符 4">
             <a:extLst>
               <a:ext uri="{FF2B5EF4-FFF2-40B4-BE49-F238E27FC236}">
-                <a16:creationId xmlns:a16="http://schemas.microsoft.com/office/drawing/2014/main" id="{CD7DFBEF-02C6-DA60-3E55-0D18A299B26A}"/>
+                <a16:creationId xmlns:a16="http://schemas.microsoft.com/office/drawing/2014/main" id="{26617A46-B53C-B336-2C19-27FB0AA2F1E5}"/>
               </a:ext>
             </a:extLst>
           </p:cNvPr>
@@ -2373,7 +2373,7 @@
           <a:bodyPr/>
           <a:lstStyle/>
           <a:p>
-            <a:fld id="{555694EC-C5C4-4BCF-AC84-CF872A864C59}" type="datetimeFigureOut">
+            <a:fld id="{D0A5C83D-D805-4759-9D28-5B708261D71C}" type="datetimeFigureOut">
               <a:rPr lang="zh-CN" altLang="en-US" smtClean="0"/>
               <a:t>2024/3/10</a:t>
             </a:fld>
@@ -2386,7 +2386,7 @@
           <p:cNvPr id="6" name="页脚占位符 5">
             <a:extLst>
               <a:ext uri="{FF2B5EF4-FFF2-40B4-BE49-F238E27FC236}">
-                <a16:creationId xmlns:a16="http://schemas.microsoft.com/office/drawing/2014/main" id="{569EB052-751A-BEBA-9AEB-355C8F4826B9}"/>
+                <a16:creationId xmlns:a16="http://schemas.microsoft.com/office/drawing/2014/main" id="{E0373CEA-43DA-251E-43CE-35A7A4610472}"/>
               </a:ext>
             </a:extLst>
           </p:cNvPr>
@@ -2411,7 +2411,7 @@
           <p:cNvPr id="7" name="灯片编号占位符 6">
             <a:extLst>
               <a:ext uri="{FF2B5EF4-FFF2-40B4-BE49-F238E27FC236}">
-                <a16:creationId xmlns:a16="http://schemas.microsoft.com/office/drawing/2014/main" id="{49291CE4-0A7C-3EDD-7C80-12B765813738}"/>
+                <a16:creationId xmlns:a16="http://schemas.microsoft.com/office/drawing/2014/main" id="{670B05C1-6B5A-0B93-23A3-BBB7D22A6098}"/>
               </a:ext>
             </a:extLst>
           </p:cNvPr>
@@ -2427,7 +2427,7 @@
           <a:bodyPr/>
           <a:lstStyle/>
           <a:p>
-            <a:fld id="{3C95A051-1319-4CE5-AA4B-2E2F6D7367D9}" type="slidenum">
+            <a:fld id="{BA6E1810-E737-4A9E-9D7A-22034FD55EFB}" type="slidenum">
               <a:rPr lang="zh-CN" altLang="en-US" smtClean="0"/>
               <a:t>‹#›</a:t>
             </a:fld>
@@ -2438,7 +2438,7 @@
     </p:spTree>
     <p:extLst>
       <p:ext uri="{BB962C8B-B14F-4D97-AF65-F5344CB8AC3E}">
-        <p14:creationId xmlns:p14="http://schemas.microsoft.com/office/powerpoint/2010/main" val="3943879284"/>
+        <p14:creationId xmlns:p14="http://schemas.microsoft.com/office/powerpoint/2010/main" val="394837864"/>
       </p:ext>
     </p:extLst>
   </p:cSld>
@@ -2470,7 +2470,7 @@
           <p:cNvPr id="2" name="标题 1">
             <a:extLst>
               <a:ext uri="{FF2B5EF4-FFF2-40B4-BE49-F238E27FC236}">
-                <a16:creationId xmlns:a16="http://schemas.microsoft.com/office/drawing/2014/main" id="{7B100C69-61FF-BA67-CFFB-64EEA9ED9121}"/>
+                <a16:creationId xmlns:a16="http://schemas.microsoft.com/office/drawing/2014/main" id="{04744A15-A29A-D566-E516-556894DA2BFF}"/>
               </a:ext>
             </a:extLst>
           </p:cNvPr>
@@ -2507,7 +2507,7 @@
           <p:cNvPr id="3" name="图片占位符 2">
             <a:extLst>
               <a:ext uri="{FF2B5EF4-FFF2-40B4-BE49-F238E27FC236}">
-                <a16:creationId xmlns:a16="http://schemas.microsoft.com/office/drawing/2014/main" id="{806CF205-D506-CFE5-DC3F-AF9F734F176C}"/>
+                <a16:creationId xmlns:a16="http://schemas.microsoft.com/office/drawing/2014/main" id="{6827998B-8266-0C11-1A61-CF872C51F10B}"/>
               </a:ext>
             </a:extLst>
           </p:cNvPr>
@@ -2574,7 +2574,7 @@
           <p:cNvPr id="4" name="文本占位符 3">
             <a:extLst>
               <a:ext uri="{FF2B5EF4-FFF2-40B4-BE49-F238E27FC236}">
-                <a16:creationId xmlns:a16="http://schemas.microsoft.com/office/drawing/2014/main" id="{C2B9A771-E025-5317-F189-D1D4074A6BBD}"/>
+                <a16:creationId xmlns:a16="http://schemas.microsoft.com/office/drawing/2014/main" id="{D5E5CCA2-C14F-EB8F-F70E-6B20A6FA8DF6}"/>
               </a:ext>
             </a:extLst>
           </p:cNvPr>
@@ -2645,7 +2645,7 @@
           <p:cNvPr id="5" name="日期占位符 4">
             <a:extLst>
               <a:ext uri="{FF2B5EF4-FFF2-40B4-BE49-F238E27FC236}">
-                <a16:creationId xmlns:a16="http://schemas.microsoft.com/office/drawing/2014/main" id="{86E81879-170B-5A97-62D3-A89404801E24}"/>
+                <a16:creationId xmlns:a16="http://schemas.microsoft.com/office/drawing/2014/main" id="{39B37044-804E-510E-95BF-3505A6F9134E}"/>
               </a:ext>
             </a:extLst>
           </p:cNvPr>
@@ -2661,7 +2661,7 @@
           <a:bodyPr/>
           <a:lstStyle/>
           <a:p>
-            <a:fld id="{555694EC-C5C4-4BCF-AC84-CF872A864C59}" type="datetimeFigureOut">
+            <a:fld id="{D0A5C83D-D805-4759-9D28-5B708261D71C}" type="datetimeFigureOut">
               <a:rPr lang="zh-CN" altLang="en-US" smtClean="0"/>
               <a:t>2024/3/10</a:t>
             </a:fld>
@@ -2674,7 +2674,7 @@
           <p:cNvPr id="6" name="页脚占位符 5">
             <a:extLst>
               <a:ext uri="{FF2B5EF4-FFF2-40B4-BE49-F238E27FC236}">
-                <a16:creationId xmlns:a16="http://schemas.microsoft.com/office/drawing/2014/main" id="{E81F31BF-8C67-5182-729E-B0F37DE879B8}"/>
+                <a16:creationId xmlns:a16="http://schemas.microsoft.com/office/drawing/2014/main" id="{0AE9ADCB-D497-C53F-9832-FA8694DF3F7A}"/>
               </a:ext>
             </a:extLst>
           </p:cNvPr>
@@ -2699,7 +2699,7 @@
           <p:cNvPr id="7" name="灯片编号占位符 6">
             <a:extLst>
               <a:ext uri="{FF2B5EF4-FFF2-40B4-BE49-F238E27FC236}">
-                <a16:creationId xmlns:a16="http://schemas.microsoft.com/office/drawing/2014/main" id="{92A07A39-29C0-1F39-4C98-9DD51BDFDA39}"/>
+                <a16:creationId xmlns:a16="http://schemas.microsoft.com/office/drawing/2014/main" id="{A9385D74-6C8F-3DFA-C39F-8373AB34C898}"/>
               </a:ext>
             </a:extLst>
           </p:cNvPr>
@@ -2715,7 +2715,7 @@
           <a:bodyPr/>
           <a:lstStyle/>
           <a:p>
-            <a:fld id="{3C95A051-1319-4CE5-AA4B-2E2F6D7367D9}" type="slidenum">
+            <a:fld id="{BA6E1810-E737-4A9E-9D7A-22034FD55EFB}" type="slidenum">
               <a:rPr lang="zh-CN" altLang="en-US" smtClean="0"/>
               <a:t>‹#›</a:t>
             </a:fld>
@@ -2726,7 +2726,7 @@
     </p:spTree>
     <p:extLst>
       <p:ext uri="{BB962C8B-B14F-4D97-AF65-F5344CB8AC3E}">
-        <p14:creationId xmlns:p14="http://schemas.microsoft.com/office/powerpoint/2010/main" val="2275460098"/>
+        <p14:creationId xmlns:p14="http://schemas.microsoft.com/office/powerpoint/2010/main" val="898854142"/>
       </p:ext>
     </p:extLst>
   </p:cSld>
@@ -2763,7 +2763,7 @@
           <p:cNvPr id="2" name="标题占位符 1">
             <a:extLst>
               <a:ext uri="{FF2B5EF4-FFF2-40B4-BE49-F238E27FC236}">
-                <a16:creationId xmlns:a16="http://schemas.microsoft.com/office/drawing/2014/main" id="{9467142D-1308-539F-AEB9-C8BCFA1C6886}"/>
+                <a16:creationId xmlns:a16="http://schemas.microsoft.com/office/drawing/2014/main" id="{F916EC4D-06AA-8CB9-8AF7-693E03EBEF6D}"/>
               </a:ext>
             </a:extLst>
           </p:cNvPr>
@@ -2801,7 +2801,7 @@
           <p:cNvPr id="3" name="文本占位符 2">
             <a:extLst>
               <a:ext uri="{FF2B5EF4-FFF2-40B4-BE49-F238E27FC236}">
-                <a16:creationId xmlns:a16="http://schemas.microsoft.com/office/drawing/2014/main" id="{2A1EF99E-D920-ABA5-7CB3-FEC53B187778}"/>
+                <a16:creationId xmlns:a16="http://schemas.microsoft.com/office/drawing/2014/main" id="{CD5B7121-E1C0-4C9F-4A22-B914A0694F8C}"/>
               </a:ext>
             </a:extLst>
           </p:cNvPr>
@@ -2868,7 +2868,7 @@
           <p:cNvPr id="4" name="日期占位符 3">
             <a:extLst>
               <a:ext uri="{FF2B5EF4-FFF2-40B4-BE49-F238E27FC236}">
-                <a16:creationId xmlns:a16="http://schemas.microsoft.com/office/drawing/2014/main" id="{1C915795-CC41-4F6D-9F41-F3DC7BB58B3E}"/>
+                <a16:creationId xmlns:a16="http://schemas.microsoft.com/office/drawing/2014/main" id="{EBC307E4-110A-843A-3976-36925F78C5A1}"/>
               </a:ext>
             </a:extLst>
           </p:cNvPr>
@@ -2902,7 +2902,7 @@
             </a:lvl1pPr>
           </a:lstStyle>
           <a:p>
-            <a:fld id="{555694EC-C5C4-4BCF-AC84-CF872A864C59}" type="datetimeFigureOut">
+            <a:fld id="{D0A5C83D-D805-4759-9D28-5B708261D71C}" type="datetimeFigureOut">
               <a:rPr lang="zh-CN" altLang="en-US" smtClean="0"/>
               <a:t>2024/3/10</a:t>
             </a:fld>
@@ -2915,7 +2915,7 @@
           <p:cNvPr id="5" name="页脚占位符 4">
             <a:extLst>
               <a:ext uri="{FF2B5EF4-FFF2-40B4-BE49-F238E27FC236}">
-                <a16:creationId xmlns:a16="http://schemas.microsoft.com/office/drawing/2014/main" id="{EC310801-EF2A-568F-603F-785C4D64B6A4}"/>
+                <a16:creationId xmlns:a16="http://schemas.microsoft.com/office/drawing/2014/main" id="{F0F0108E-68C0-5ADB-2EA3-E2CF5C33D82B}"/>
               </a:ext>
             </a:extLst>
           </p:cNvPr>
@@ -2958,7 +2958,7 @@
           <p:cNvPr id="6" name="灯片编号占位符 5">
             <a:extLst>
               <a:ext uri="{FF2B5EF4-FFF2-40B4-BE49-F238E27FC236}">
-                <a16:creationId xmlns:a16="http://schemas.microsoft.com/office/drawing/2014/main" id="{53992645-2918-166B-E51F-ED66CDE85C3F}"/>
+                <a16:creationId xmlns:a16="http://schemas.microsoft.com/office/drawing/2014/main" id="{0ABEF38C-2C5D-6BA2-7769-D023E4E7317B}"/>
               </a:ext>
             </a:extLst>
           </p:cNvPr>
@@ -2992,7 +2992,7 @@
             </a:lvl1pPr>
           </a:lstStyle>
           <a:p>
-            <a:fld id="{3C95A051-1319-4CE5-AA4B-2E2F6D7367D9}" type="slidenum">
+            <a:fld id="{BA6E1810-E737-4A9E-9D7A-22034FD55EFB}" type="slidenum">
               <a:rPr lang="zh-CN" altLang="en-US" smtClean="0"/>
               <a:t>‹#›</a:t>
             </a:fld>
@@ -3003,7 +3003,7 @@
     </p:spTree>
     <p:extLst>
       <p:ext uri="{BB962C8B-B14F-4D97-AF65-F5344CB8AC3E}">
-        <p14:creationId xmlns:p14="http://schemas.microsoft.com/office/powerpoint/2010/main" val="4215866874"/>
+        <p14:creationId xmlns:p14="http://schemas.microsoft.com/office/powerpoint/2010/main" val="4211714131"/>
       </p:ext>
     </p:extLst>
   </p:cSld>
